--- a/Documents/Presentation/PresentationV2.pptx
+++ b/Documents/Presentation/PresentationV2.pptx
@@ -5,7 +5,7 @@
     <p:sldMasterId id="2147483648" r:id="rId1"/>
   </p:sldMasterIdLst>
   <p:notesMasterIdLst>
-    <p:notesMasterId r:id="rId20"/>
+    <p:notesMasterId r:id="rId19"/>
   </p:notesMasterIdLst>
   <p:sldIdLst>
     <p:sldId id="257" r:id="rId2"/>
@@ -22,10 +22,9 @@
     <p:sldId id="270" r:id="rId13"/>
     <p:sldId id="271" r:id="rId14"/>
     <p:sldId id="272" r:id="rId15"/>
-    <p:sldId id="274" r:id="rId16"/>
-    <p:sldId id="273" r:id="rId17"/>
-    <p:sldId id="275" r:id="rId18"/>
-    <p:sldId id="276" r:id="rId19"/>
+    <p:sldId id="273" r:id="rId16"/>
+    <p:sldId id="275" r:id="rId17"/>
+    <p:sldId id="276" r:id="rId18"/>
   </p:sldIdLst>
   <p:sldSz cx="12192000" cy="6858000"/>
   <p:notesSz cx="6858000" cy="9144000"/>
@@ -143,7 +142,6 @@
             <p14:sldId id="270"/>
             <p14:sldId id="271"/>
             <p14:sldId id="272"/>
-            <p14:sldId id="274"/>
             <p14:sldId id="273"/>
             <p14:sldId id="275"/>
             <p14:sldId id="276"/>
@@ -1099,9 +1097,16 @@
           <a:lstStyle/>
           <a:p>
             <a:r>
-              <a:rPr lang="en-GB" dirty="0"/>
-              <a:t>Every initial seed explores differently, we can visualise how it changes generation to generation by plotting the average objective value within the top-cut and seeing how it generally trends up with some occasional dips. Going back to the "fronts" way of visualising the selection process it is understandable that some population members may sacrifice one objective value to dominate in another dragging the mean value of that objective down. this just means that to see which results best balance the objective values in a appealing way requires a bit more of a human touch.</a:t>
+              <a:rPr lang="en-GB" b="0" i="0" dirty="0">
+                <a:solidFill>
+                  <a:srgbClr val="B8BFC6"/>
+                </a:solidFill>
+                <a:effectLst/>
+                <a:latin typeface="Helvetica Neue"/>
+              </a:rPr>
+              <a:t>Once we have examined our set of dominant allocations and picked it we can visualise the locations to examine the trends in the algorithms choices. We see that it picks a very sparse selection of locations usually around 10-15 of the 56 possible, despite it having plenty of budget to pick more. We also see that it tends to prefer more coastal allocations despite there being a few in land choices. The final observation we have made at this stage is that most allocations consist of few more heavily weighted choices to increase the mean and less weighted ones which act as an almost "stabilising factor" to reduce the variance that would come from relying on one location.</a:t>
             </a:r>
+            <a:endParaRPr lang="en-GB" dirty="0"/>
           </a:p>
         </p:txBody>
       </p:sp>
@@ -1131,7 +1136,7 @@
     </p:spTree>
     <p:extLst>
       <p:ext uri="{BB962C8B-B14F-4D97-AF65-F5344CB8AC3E}">
-        <p14:creationId xmlns:p14="http://schemas.microsoft.com/office/powerpoint/2010/main" val="2109027935"/>
+        <p14:creationId xmlns:p14="http://schemas.microsoft.com/office/powerpoint/2010/main" val="3862522064"/>
       </p:ext>
     </p:extLst>
   </p:cSld>
@@ -1193,7 +1198,43 @@
                 <a:effectLst/>
                 <a:latin typeface="Helvetica Neue"/>
               </a:rPr>
-              <a:t>Once we have examined our set of dominant allocations and picked it we can visualise the locations to examine the trends in the algorithms choices. We see that it picks a very sparse selection of locations usually around 10-15 of the 56 possible, despite it having plenty of budget to pick more. We also see that it tends to prefer more coastal allocations despite there being a few in land choices. The final observation we have made at this stage is that most allocations consist of few more heavily weighted choices to increase the mean and less weighted ones which act as an almost "stabilising factor" to reduce the variance that would come from relying on one location.</a:t>
+              <a:t>There is still work to be done finalising this project by tweaking the objective functions and conducting larger scale searches for optimal allocations, however there are also a few more in depth extensions that could be investigated in further projects. </a:t>
+            </a:r>
+          </a:p>
+          <a:p>
+            <a:r>
+              <a:rPr lang="en-GB" b="0" i="0" dirty="0">
+                <a:solidFill>
+                  <a:srgbClr val="B8BFC6"/>
+                </a:solidFill>
+                <a:effectLst/>
+                <a:latin typeface="Helvetica Neue"/>
+              </a:rPr>
+              <a:t>The current system somewhat acts as a proof of concept that this approach can perform suitably and offer insight into planning of new wind infrastructure, however it would be a useful work to generalise the approach such that any set of locations could be searched rather than a predefined list. The prediction model should likely hold up to a more general setting however a larger dataset would much likely improve the accuracy and reliability further. </a:t>
+            </a:r>
+          </a:p>
+          <a:p>
+            <a:r>
+              <a:rPr lang="en-GB" b="0" i="0" dirty="0">
+                <a:solidFill>
+                  <a:srgbClr val="B8BFC6"/>
+                </a:solidFill>
+                <a:effectLst/>
+                <a:latin typeface="Helvetica Neue"/>
+              </a:rPr>
+              <a:t>Another improvement to examine in future is the performance, while processing time is not an issue in this current examination it would be useful in future to look at improvements with parallelisation and NSGA-II improvements. </a:t>
+            </a:r>
+          </a:p>
+          <a:p>
+            <a:r>
+              <a:rPr lang="en-GB" b="0" i="0" dirty="0">
+                <a:solidFill>
+                  <a:srgbClr val="B8BFC6"/>
+                </a:solidFill>
+                <a:effectLst/>
+                <a:latin typeface="Helvetica Neue"/>
+              </a:rPr>
+              <a:t>Finally to circle back to the initial cause for this investigation, climate change of course changing weather patterns. And as such retooling the "expected weather" section to account for that change would allow for allocations to be future proofed.</a:t>
             </a:r>
             <a:endParaRPr lang="en-GB" dirty="0"/>
           </a:p>
@@ -1225,7 +1266,7 @@
     </p:spTree>
     <p:extLst>
       <p:ext uri="{BB962C8B-B14F-4D97-AF65-F5344CB8AC3E}">
-        <p14:creationId xmlns:p14="http://schemas.microsoft.com/office/powerpoint/2010/main" val="3862522064"/>
+        <p14:creationId xmlns:p14="http://schemas.microsoft.com/office/powerpoint/2010/main" val="3490739916"/>
       </p:ext>
     </p:extLst>
   </p:cSld>
@@ -1280,52 +1321,15 @@
           <a:lstStyle/>
           <a:p>
             <a:r>
-              <a:rPr lang="en-GB" b="0" i="0" dirty="0">
-                <a:solidFill>
-                  <a:srgbClr val="B8BFC6"/>
-                </a:solidFill>
-                <a:effectLst/>
-                <a:latin typeface="Helvetica Neue"/>
-              </a:rPr>
-              <a:t>There is still work to be done finalising this project by tweaking the objective functions and conducting larger scale searches for optimal allocations, however there are also a few more in depth extensions that could be investigated in further projects. </a:t>
+              <a:rPr lang="en-GB" dirty="0"/>
+              <a:t>This approach is not the perfect solution however, NGSA-II is by no means a cutting edge algorithm any more and it along with evolutionary algorithms in general tend to suffer in the time department. However it has proven itself to be reliable and with multiple spins allowing for future improvements.</a:t>
             </a:r>
           </a:p>
           <a:p>
             <a:r>
-              <a:rPr lang="en-GB" b="0" i="0" dirty="0">
-                <a:solidFill>
-                  <a:srgbClr val="B8BFC6"/>
-                </a:solidFill>
-                <a:effectLst/>
-                <a:latin typeface="Helvetica Neue"/>
-              </a:rPr>
-              <a:t>The current system somewhat acts as a proof of concept that this approach can perform suitably and offer insight into planning of new wind infrastructure, however it would be a useful work to generalise the approach such that any set of locations could be searched rather than a predefined list. The prediction model should likely hold up to a more general setting however a larger dataset would much likely improve the accuracy and reliability further. </a:t>
+              <a:rPr lang="en-GB" dirty="0"/>
+              <a:t>Due to the large search space the solutions found in a finite number of iterations is restricted based on the starting seed, meaning to find the best solutions we will need to run a large number of batches to be confident in our "best" outputs. We believe this trade off is acceptable though as this task is not time critical and will likely need to be ran relatively irregularly. We also believe there is much room for performance improvements in future work by parallelising batches and investigating modifications to NGSA-II.</a:t>
             </a:r>
-          </a:p>
-          <a:p>
-            <a:r>
-              <a:rPr lang="en-GB" b="0" i="0" dirty="0">
-                <a:solidFill>
-                  <a:srgbClr val="B8BFC6"/>
-                </a:solidFill>
-                <a:effectLst/>
-                <a:latin typeface="Helvetica Neue"/>
-              </a:rPr>
-              <a:t>Another improvement to examine in future is the performance, while processing time is not an issue in this current examination it would be useful in future to look at improvements with parallelisation and NSGA-II improvements. </a:t>
-            </a:r>
-          </a:p>
-          <a:p>
-            <a:r>
-              <a:rPr lang="en-GB" b="0" i="0" dirty="0">
-                <a:solidFill>
-                  <a:srgbClr val="B8BFC6"/>
-                </a:solidFill>
-                <a:effectLst/>
-                <a:latin typeface="Helvetica Neue"/>
-              </a:rPr>
-              <a:t>Finally to circle back to the initial cause for this investigation, climate change of course changing weather patterns. And as such retooling the "expected weather" section to account for that change would allow for allocations to be future proofed.</a:t>
-            </a:r>
-            <a:endParaRPr lang="en-GB" dirty="0"/>
           </a:p>
         </p:txBody>
       </p:sp>
@@ -1347,99 +1351,6 @@
             <a:fld id="{2804A992-B999-4CF2-B1CD-220C9B205750}" type="slidenum">
               <a:rPr lang="en-GB" smtClean="0"/>
               <a:t>17</a:t>
-            </a:fld>
-            <a:endParaRPr lang="en-GB"/>
-          </a:p>
-        </p:txBody>
-      </p:sp>
-    </p:spTree>
-    <p:extLst>
-      <p:ext uri="{BB962C8B-B14F-4D97-AF65-F5344CB8AC3E}">
-        <p14:creationId xmlns:p14="http://schemas.microsoft.com/office/powerpoint/2010/main" val="3490739916"/>
-      </p:ext>
-    </p:extLst>
-  </p:cSld>
-  <p:clrMapOvr>
-    <a:masterClrMapping/>
-  </p:clrMapOvr>
-</p:notes>
-</file>
-
-<file path=ppt/notesSlides/notesSlide17.xml><?xml version="1.0" encoding="utf-8"?>
-<p:notes xmlns:a="http://schemas.openxmlformats.org/drawingml/2006/main" xmlns:r="http://schemas.openxmlformats.org/officeDocument/2006/relationships" xmlns:p="http://schemas.openxmlformats.org/presentationml/2006/main">
-  <p:cSld>
-    <p:spTree>
-      <p:nvGrpSpPr>
-        <p:cNvPr id="1" name=""/>
-        <p:cNvGrpSpPr/>
-        <p:nvPr/>
-      </p:nvGrpSpPr>
-      <p:grpSpPr>
-        <a:xfrm>
-          <a:off x="0" y="0"/>
-          <a:ext cx="0" cy="0"/>
-          <a:chOff x="0" y="0"/>
-          <a:chExt cx="0" cy="0"/>
-        </a:xfrm>
-      </p:grpSpPr>
-      <p:sp>
-        <p:nvSpPr>
-          <p:cNvPr id="2" name="Slide Image Placeholder 1"/>
-          <p:cNvSpPr>
-            <a:spLocks noGrp="1" noRot="1" noChangeAspect="1"/>
-          </p:cNvSpPr>
-          <p:nvPr>
-            <p:ph type="sldImg"/>
-          </p:nvPr>
-        </p:nvSpPr>
-        <p:spPr/>
-      </p:sp>
-      <p:sp>
-        <p:nvSpPr>
-          <p:cNvPr id="3" name="Notes Placeholder 2"/>
-          <p:cNvSpPr>
-            <a:spLocks noGrp="1"/>
-          </p:cNvSpPr>
-          <p:nvPr>
-            <p:ph type="body" idx="1"/>
-          </p:nvPr>
-        </p:nvSpPr>
-        <p:spPr/>
-        <p:txBody>
-          <a:bodyPr/>
-          <a:lstStyle/>
-          <a:p>
-            <a:r>
-              <a:rPr lang="en-GB" dirty="0"/>
-              <a:t>This approach is not the perfect solution however, NGSA-II is by no means a cutting edge algorithm any more and it along with evolutionary algorithms in general tend to suffer in the time department. However it has proven itself to be reliable and with multiple spins allowing for future improvements.</a:t>
-            </a:r>
-          </a:p>
-          <a:p>
-            <a:r>
-              <a:rPr lang="en-GB" dirty="0"/>
-              <a:t>Due to the large search space the solutions found in a finite number of iterations is restricted based on the starting seed, meaning to find the best solutions we will need to run a large number of batches to be confident in our "best" outputs. We believe this trade off is acceptable though as this task is not time critical and will likely need to be ran relatively irregularly. We also believe there is much room for performance improvements in future work by parallelising batches and investigating modifications to NGSA-II.</a:t>
-            </a:r>
-          </a:p>
-        </p:txBody>
-      </p:sp>
-      <p:sp>
-        <p:nvSpPr>
-          <p:cNvPr id="4" name="Slide Number Placeholder 3"/>
-          <p:cNvSpPr>
-            <a:spLocks noGrp="1"/>
-          </p:cNvSpPr>
-          <p:nvPr>
-            <p:ph type="sldNum" sz="quarter" idx="5"/>
-          </p:nvPr>
-        </p:nvSpPr>
-        <p:spPr/>
-        <p:txBody>
-          <a:bodyPr/>
-          <a:lstStyle/>
-          <a:p>
-            <a:fld id="{2804A992-B999-4CF2-B1CD-220C9B205750}" type="slidenum">
-              <a:rPr lang="en-GB" smtClean="0"/>
-              <a:t>18</a:t>
             </a:fld>
             <a:endParaRPr lang="en-GB"/>
           </a:p>
@@ -9594,7 +9505,7 @@
             <a:pPr lvl="1"/>
             <a:r>
               <a:rPr lang="en-GB" sz="2800" dirty="0"/>
-              <a:t>NGSA-II is not cutting edge</a:t>
+              <a:t>NSGA-II is not cutting edge</a:t>
             </a:r>
           </a:p>
           <a:p>
@@ -9624,14 +9535,9 @@
             <a:endParaRPr lang="en-GB" sz="2800" dirty="0"/>
           </a:p>
           <a:p>
-            <a:pPr lvl="1"/>
-            <a:r>
-              <a:rPr lang="en-GB" sz="2800" dirty="0"/>
-              <a:t>Performance improvements exist</a:t>
-            </a:r>
-          </a:p>
-          <a:p>
-            <a:pPr lvl="1"/>
+            <a:pPr marL="457200" lvl="1" indent="0">
+              <a:buNone/>
+            </a:pPr>
             <a:endParaRPr lang="en-GB" sz="2800" dirty="0"/>
           </a:p>
           <a:p>
@@ -9763,37 +9669,6 @@
                                   </p:childTnLst>
                                 </p:cTn>
                               </p:par>
-                              <p:par>
-                                <p:cTn id="11" presetID="1" presetClass="entr" presetSubtype="0" fill="hold" grpId="0" nodeType="withEffect">
-                                  <p:stCondLst>
-                                    <p:cond delay="0"/>
-                                  </p:stCondLst>
-                                  <p:childTnLst>
-                                    <p:set>
-                                      <p:cBhvr>
-                                        <p:cTn id="12" dur="1" fill="hold">
-                                          <p:stCondLst>
-                                            <p:cond delay="0"/>
-                                          </p:stCondLst>
-                                        </p:cTn>
-                                        <p:tgtEl>
-                                          <p:spTgt spid="3">
-                                            <p:txEl>
-                                              <p:pRg st="6" end="6"/>
-                                            </p:txEl>
-                                          </p:spTgt>
-                                        </p:tgtEl>
-                                        <p:attrNameLst>
-                                          <p:attrName>style.visibility</p:attrName>
-                                        </p:attrNameLst>
-                                      </p:cBhvr>
-                                      <p:to>
-                                        <p:strVal val="visible"/>
-                                      </p:to>
-                                    </p:set>
-                                  </p:childTnLst>
-                                </p:cTn>
-                              </p:par>
                             </p:childTnLst>
                           </p:cTn>
                         </p:par>
@@ -9829,214 +9704,6 @@
 </file>
 
 <file path=ppt/slides/slide15.xml><?xml version="1.0" encoding="utf-8"?>
-<p:sld xmlns:a="http://schemas.openxmlformats.org/drawingml/2006/main" xmlns:r="http://schemas.openxmlformats.org/officeDocument/2006/relationships" xmlns:p="http://schemas.openxmlformats.org/presentationml/2006/main">
-  <p:cSld>
-    <p:bg>
-      <p:bgPr>
-        <a:solidFill>
-          <a:schemeClr val="bg1"/>
-        </a:solidFill>
-        <a:effectLst/>
-      </p:bgPr>
-    </p:bg>
-    <p:spTree>
-      <p:nvGrpSpPr>
-        <p:cNvPr id="1" name=""/>
-        <p:cNvGrpSpPr/>
-        <p:nvPr/>
-      </p:nvGrpSpPr>
-      <p:grpSpPr>
-        <a:xfrm>
-          <a:off x="0" y="0"/>
-          <a:ext cx="0" cy="0"/>
-          <a:chOff x="0" y="0"/>
-          <a:chExt cx="0" cy="0"/>
-        </a:xfrm>
-      </p:grpSpPr>
-      <p:sp useBgFill="1">
-        <p:nvSpPr>
-          <p:cNvPr id="19" name="Rectangle 18">
-            <a:extLst>
-              <a:ext uri="{FF2B5EF4-FFF2-40B4-BE49-F238E27FC236}">
-                <a16:creationId xmlns:a16="http://schemas.microsoft.com/office/drawing/2014/main" id="{1A95671B-3CC6-4792-9114-B74FAEA224E6}"/>
-              </a:ext>
-              <a:ext uri="{C183D7F6-B498-43B3-948B-1728B52AA6E4}">
-                <adec:decorative xmlns:adec="http://schemas.microsoft.com/office/drawing/2017/decorative" val="1"/>
-              </a:ext>
-            </a:extLst>
-          </p:cNvPr>
-          <p:cNvSpPr>
-            <a:spLocks noGrp="1" noRot="1" noChangeAspect="1" noMove="1" noResize="1" noEditPoints="1" noAdjustHandles="1" noChangeArrowheads="1" noChangeShapeType="1" noTextEdit="1"/>
-          </p:cNvSpPr>
-          <p:nvPr>
-            <p:extLst>
-              <p:ext uri="{386F3935-93C4-4BCD-93E2-E3B085C9AB24}">
-                <p16:designElem xmlns:p16="http://schemas.microsoft.com/office/powerpoint/2015/main" val="1"/>
-              </p:ext>
-            </p:extLst>
-          </p:nvPr>
-        </p:nvSpPr>
-        <p:spPr>
-          <a:xfrm>
-            <a:off x="0" y="0"/>
-            <a:ext cx="12188952" cy="6858000"/>
-          </a:xfrm>
-          <a:prstGeom prst="rect">
-            <a:avLst/>
-          </a:prstGeom>
-          <a:ln>
-            <a:noFill/>
-          </a:ln>
-        </p:spPr>
-        <p:style>
-          <a:lnRef idx="2">
-            <a:schemeClr val="accent1">
-              <a:shade val="50000"/>
-            </a:schemeClr>
-          </a:lnRef>
-          <a:fillRef idx="1">
-            <a:schemeClr val="accent1"/>
-          </a:fillRef>
-          <a:effectRef idx="0">
-            <a:schemeClr val="accent1"/>
-          </a:effectRef>
-          <a:fontRef idx="minor">
-            <a:schemeClr val="lt1"/>
-          </a:fontRef>
-        </p:style>
-        <p:txBody>
-          <a:bodyPr rtlCol="0" anchor="ctr"/>
-          <a:lstStyle/>
-          <a:p>
-            <a:pPr algn="ctr"/>
-            <a:endParaRPr lang="en-US"/>
-          </a:p>
-        </p:txBody>
-      </p:sp>
-      <p:sp>
-        <p:nvSpPr>
-          <p:cNvPr id="2" name="Title 1">
-            <a:extLst>
-              <a:ext uri="{FF2B5EF4-FFF2-40B4-BE49-F238E27FC236}">
-                <a16:creationId xmlns:a16="http://schemas.microsoft.com/office/drawing/2014/main" id="{65CC00F7-AB94-4BC7-B946-DA514B97803D}"/>
-              </a:ext>
-            </a:extLst>
-          </p:cNvPr>
-          <p:cNvSpPr>
-            <a:spLocks noGrp="1"/>
-          </p:cNvSpPr>
-          <p:nvPr>
-            <p:ph type="title"/>
-          </p:nvPr>
-        </p:nvSpPr>
-        <p:spPr>
-          <a:xfrm>
-            <a:off x="1008184" y="174032"/>
-            <a:ext cx="10175631" cy="1111843"/>
-          </a:xfrm>
-        </p:spPr>
-        <p:txBody>
-          <a:bodyPr anchor="ctr">
-            <a:normAutofit/>
-          </a:bodyPr>
-          <a:lstStyle/>
-          <a:p>
-            <a:pPr algn="ctr"/>
-            <a:r>
-              <a:rPr lang="en-GB" sz="4000" dirty="0"/>
-              <a:t>Allocation – Results</a:t>
-            </a:r>
-            <a:endParaRPr lang="en-GB" sz="4000"/>
-          </a:p>
-        </p:txBody>
-      </p:sp>
-      <p:sp>
-        <p:nvSpPr>
-          <p:cNvPr id="3" name="Content Placeholder 2">
-            <a:extLst>
-              <a:ext uri="{FF2B5EF4-FFF2-40B4-BE49-F238E27FC236}">
-                <a16:creationId xmlns:a16="http://schemas.microsoft.com/office/drawing/2014/main" id="{97E2BB50-6A75-49A9-A9CA-CF63591DB059}"/>
-              </a:ext>
-            </a:extLst>
-          </p:cNvPr>
-          <p:cNvSpPr>
-            <a:spLocks noGrp="1"/>
-          </p:cNvSpPr>
-          <p:nvPr>
-            <p:ph idx="1"/>
-          </p:nvPr>
-        </p:nvSpPr>
-        <p:spPr>
-          <a:xfrm>
-            <a:off x="1008184" y="1459907"/>
-            <a:ext cx="10175630" cy="767904"/>
-          </a:xfrm>
-        </p:spPr>
-        <p:txBody>
-          <a:bodyPr anchor="ctr">
-            <a:normAutofit/>
-          </a:bodyPr>
-          <a:lstStyle/>
-          <a:p>
-            <a:pPr lvl="1" algn="ctr"/>
-            <a:endParaRPr lang="en-GB" sz="2000"/>
-          </a:p>
-          <a:p>
-            <a:pPr lvl="1" algn="ctr"/>
-            <a:endParaRPr lang="en-GB" sz="2000"/>
-          </a:p>
-        </p:txBody>
-      </p:sp>
-      <p:pic>
-        <p:nvPicPr>
-          <p:cNvPr id="7" name="Picture 6" descr="Graphical user interface, chart&#10;&#10;Description automatically generated">
-            <a:extLst>
-              <a:ext uri="{FF2B5EF4-FFF2-40B4-BE49-F238E27FC236}">
-                <a16:creationId xmlns:a16="http://schemas.microsoft.com/office/drawing/2014/main" id="{1D481E8F-6206-4C6F-91EF-0E825545FE9D}"/>
-              </a:ext>
-            </a:extLst>
-          </p:cNvPr>
-          <p:cNvPicPr>
-            <a:picLocks noChangeAspect="1"/>
-          </p:cNvPicPr>
-          <p:nvPr/>
-        </p:nvPicPr>
-        <p:blipFill>
-          <a:blip r:embed="rId3">
-            <a:extLst>
-              <a:ext uri="{28A0092B-C50C-407E-A947-70E740481C1C}">
-                <a14:useLocalDpi xmlns:a14="http://schemas.microsoft.com/office/drawing/2010/main" val="0"/>
-              </a:ext>
-            </a:extLst>
-          </a:blip>
-          <a:stretch>
-            <a:fillRect/>
-          </a:stretch>
-        </p:blipFill>
-        <p:spPr>
-          <a:xfrm>
-            <a:off x="1008183" y="1198864"/>
-            <a:ext cx="10172586" cy="5086294"/>
-          </a:xfrm>
-          <a:prstGeom prst="rect">
-            <a:avLst/>
-          </a:prstGeom>
-        </p:spPr>
-      </p:pic>
-    </p:spTree>
-    <p:extLst>
-      <p:ext uri="{BB962C8B-B14F-4D97-AF65-F5344CB8AC3E}">
-        <p14:creationId xmlns:p14="http://schemas.microsoft.com/office/powerpoint/2010/main" val="1100771436"/>
-      </p:ext>
-    </p:extLst>
-  </p:cSld>
-  <p:clrMapOvr>
-    <a:masterClrMapping/>
-  </p:clrMapOvr>
-</p:sld>
-</file>
-
-<file path=ppt/slides/slide16.xml><?xml version="1.0" encoding="utf-8"?>
 <p:sld xmlns:a="http://schemas.openxmlformats.org/drawingml/2006/main" xmlns:r="http://schemas.openxmlformats.org/officeDocument/2006/relationships" xmlns:p="http://schemas.openxmlformats.org/presentationml/2006/main">
   <p:cSld>
     <p:bg>
@@ -10687,7 +10354,7 @@
 </p:sld>
 </file>
 
-<file path=ppt/slides/slide17.xml><?xml version="1.0" encoding="utf-8"?>
+<file path=ppt/slides/slide16.xml><?xml version="1.0" encoding="utf-8"?>
 <p:sld xmlns:a="http://schemas.openxmlformats.org/drawingml/2006/main" xmlns:r="http://schemas.openxmlformats.org/officeDocument/2006/relationships" xmlns:p="http://schemas.openxmlformats.org/presentationml/2006/main">
   <p:cSld>
     <p:bg>
@@ -11657,7 +11324,7 @@
 </p:sld>
 </file>
 
-<file path=ppt/slides/slide18.xml><?xml version="1.0" encoding="utf-8"?>
+<file path=ppt/slides/slide17.xml><?xml version="1.0" encoding="utf-8"?>
 <p:sld xmlns:a="http://schemas.openxmlformats.org/drawingml/2006/main" xmlns:r="http://schemas.openxmlformats.org/officeDocument/2006/relationships" xmlns:p="http://schemas.openxmlformats.org/presentationml/2006/main">
   <p:cSld>
     <p:bg>
